--- a/TD_3/TD_calibration.pptx
+++ b/TD_3/TD_calibration.pptx
@@ -308,7 +308,7 @@
           <a:p>
             <a:fld id="{4ABE01AA-66E3-4978-914F-DDF0D6C91F3A}" type="datetimeFigureOut">
               <a:rPr lang="en-US" smtClean="0"/>
-              <a:t>5/29/2018</a:t>
+              <a:t>6/1/2018</a:t>
             </a:fld>
             <a:endParaRPr lang="en-US"/>
           </a:p>
@@ -478,7 +478,7 @@
           <a:p>
             <a:fld id="{4ABE01AA-66E3-4978-914F-DDF0D6C91F3A}" type="datetimeFigureOut">
               <a:rPr lang="en-US" smtClean="0"/>
-              <a:t>5/29/2018</a:t>
+              <a:t>6/1/2018</a:t>
             </a:fld>
             <a:endParaRPr lang="en-US"/>
           </a:p>
@@ -658,7 +658,7 @@
           <a:p>
             <a:fld id="{4ABE01AA-66E3-4978-914F-DDF0D6C91F3A}" type="datetimeFigureOut">
               <a:rPr lang="en-US" smtClean="0"/>
-              <a:t>5/29/2018</a:t>
+              <a:t>6/1/2018</a:t>
             </a:fld>
             <a:endParaRPr lang="en-US"/>
           </a:p>
@@ -828,7 +828,7 @@
           <a:p>
             <a:fld id="{4ABE01AA-66E3-4978-914F-DDF0D6C91F3A}" type="datetimeFigureOut">
               <a:rPr lang="en-US" smtClean="0"/>
-              <a:t>5/29/2018</a:t>
+              <a:t>6/1/2018</a:t>
             </a:fld>
             <a:endParaRPr lang="en-US"/>
           </a:p>
@@ -1074,7 +1074,7 @@
           <a:p>
             <a:fld id="{4ABE01AA-66E3-4978-914F-DDF0D6C91F3A}" type="datetimeFigureOut">
               <a:rPr lang="en-US" smtClean="0"/>
-              <a:t>5/29/2018</a:t>
+              <a:t>6/1/2018</a:t>
             </a:fld>
             <a:endParaRPr lang="en-US"/>
           </a:p>
@@ -1362,7 +1362,7 @@
           <a:p>
             <a:fld id="{4ABE01AA-66E3-4978-914F-DDF0D6C91F3A}" type="datetimeFigureOut">
               <a:rPr lang="en-US" smtClean="0"/>
-              <a:t>5/29/2018</a:t>
+              <a:t>6/1/2018</a:t>
             </a:fld>
             <a:endParaRPr lang="en-US"/>
           </a:p>
@@ -1784,7 +1784,7 @@
           <a:p>
             <a:fld id="{4ABE01AA-66E3-4978-914F-DDF0D6C91F3A}" type="datetimeFigureOut">
               <a:rPr lang="en-US" smtClean="0"/>
-              <a:t>5/29/2018</a:t>
+              <a:t>6/1/2018</a:t>
             </a:fld>
             <a:endParaRPr lang="en-US"/>
           </a:p>
@@ -1902,7 +1902,7 @@
           <a:p>
             <a:fld id="{4ABE01AA-66E3-4978-914F-DDF0D6C91F3A}" type="datetimeFigureOut">
               <a:rPr lang="en-US" smtClean="0"/>
-              <a:t>5/29/2018</a:t>
+              <a:t>6/1/2018</a:t>
             </a:fld>
             <a:endParaRPr lang="en-US"/>
           </a:p>
@@ -1997,7 +1997,7 @@
           <a:p>
             <a:fld id="{4ABE01AA-66E3-4978-914F-DDF0D6C91F3A}" type="datetimeFigureOut">
               <a:rPr lang="en-US" smtClean="0"/>
-              <a:t>5/29/2018</a:t>
+              <a:t>6/1/2018</a:t>
             </a:fld>
             <a:endParaRPr lang="en-US"/>
           </a:p>
@@ -2274,7 +2274,7 @@
           <a:p>
             <a:fld id="{4ABE01AA-66E3-4978-914F-DDF0D6C91F3A}" type="datetimeFigureOut">
               <a:rPr lang="en-US" smtClean="0"/>
-              <a:t>5/29/2018</a:t>
+              <a:t>6/1/2018</a:t>
             </a:fld>
             <a:endParaRPr lang="en-US"/>
           </a:p>
@@ -2527,7 +2527,7 @@
           <a:p>
             <a:fld id="{4ABE01AA-66E3-4978-914F-DDF0D6C91F3A}" type="datetimeFigureOut">
               <a:rPr lang="en-US" smtClean="0"/>
-              <a:t>5/29/2018</a:t>
+              <a:t>6/1/2018</a:t>
             </a:fld>
             <a:endParaRPr lang="en-US"/>
           </a:p>
@@ -2740,7 +2740,7 @@
           <a:p>
             <a:fld id="{4ABE01AA-66E3-4978-914F-DDF0D6C91F3A}" type="datetimeFigureOut">
               <a:rPr lang="en-US" smtClean="0"/>
-              <a:t>5/29/2018</a:t>
+              <a:t>6/1/2018</a:t>
             </a:fld>
             <a:endParaRPr lang="en-US"/>
           </a:p>
